--- a/Doc/UI说明.pptx
+++ b/Doc/UI说明.pptx
@@ -5,7 +5,7 @@
     <p:sldMasterId id="2147483660" r:id="rId1"/>
   </p:sldMasterIdLst>
   <p:notesMasterIdLst>
-    <p:notesMasterId r:id="rId9"/>
+    <p:notesMasterId r:id="rId10"/>
   </p:notesMasterIdLst>
   <p:sldIdLst>
     <p:sldId id="256" r:id="rId2"/>
@@ -15,6 +15,7 @@
     <p:sldId id="260" r:id="rId6"/>
     <p:sldId id="261" r:id="rId7"/>
     <p:sldId id="262" r:id="rId8"/>
+    <p:sldId id="263" r:id="rId9"/>
   </p:sldIdLst>
   <p:sldSz cx="9144000" cy="6858000" type="screen4x3"/>
   <p:notesSz cx="6858000" cy="9144000"/>
@@ -198,7 +199,7 @@
           <a:p>
             <a:fld id="{92F8438F-6031-4695-848E-D52FE22C6198}" type="datetimeFigureOut">
               <a:rPr lang="zh-CN" altLang="en-US" smtClean="0"/>
-              <a:t>2018/10/24</a:t>
+              <a:t>2018/11/2</a:t>
             </a:fld>
             <a:endParaRPr lang="zh-CN" altLang="en-US"/>
           </a:p>
@@ -366,6 +367,11 @@
         </p:txBody>
       </p:sp>
     </p:spTree>
+    <p:extLst>
+      <p:ext uri="{BB962C8B-B14F-4D97-AF65-F5344CB8AC3E}">
+        <p14:creationId xmlns:p14="http://schemas.microsoft.com/office/powerpoint/2010/main" val="2619208363"/>
+      </p:ext>
+    </p:extLst>
   </p:cSld>
   <p:clrMap bg1="lt1" tx1="dk1" bg2="lt2" tx2="dk2" accent1="accent1" accent2="accent2" accent3="accent3" accent4="accent4" accent5="accent5" accent6="accent6" hlink="hlink" folHlink="folHlink"/>
   <p:notesStyle>
@@ -1089,7 +1095,7 @@
             <a:fld id="{1D8BD707-D9CF-40AE-B4C6-C98DA3205C09}" type="datetimeFigureOut">
               <a:rPr lang="en-US" smtClean="0"/>
               <a:pPr/>
-              <a:t>10/24/2018</a:t>
+              <a:t>11/2/2018</a:t>
             </a:fld>
             <a:endParaRPr lang="en-US"/>
           </a:p>
@@ -1287,7 +1293,7 @@
             <a:fld id="{1D8BD707-D9CF-40AE-B4C6-C98DA3205C09}" type="datetimeFigureOut">
               <a:rPr lang="en-US" smtClean="0"/>
               <a:pPr/>
-              <a:t>10/24/2018</a:t>
+              <a:t>11/2/2018</a:t>
             </a:fld>
             <a:endParaRPr lang="en-US"/>
           </a:p>
@@ -1474,7 +1480,7 @@
             <a:fld id="{1D8BD707-D9CF-40AE-B4C6-C98DA3205C09}" type="datetimeFigureOut">
               <a:rPr lang="en-US" smtClean="0"/>
               <a:pPr/>
-              <a:t>10/24/2018</a:t>
+              <a:t>11/2/2018</a:t>
             </a:fld>
             <a:endParaRPr lang="en-US"/>
           </a:p>
@@ -1626,7 +1632,7 @@
             <a:fld id="{1D8BD707-D9CF-40AE-B4C6-C98DA3205C09}" type="datetimeFigureOut">
               <a:rPr lang="en-US" smtClean="0"/>
               <a:pPr/>
-              <a:t>10/24/2018</a:t>
+              <a:t>11/2/2018</a:t>
             </a:fld>
             <a:endParaRPr lang="en-US"/>
           </a:p>
@@ -1883,7 +1889,7 @@
             <a:fld id="{1D8BD707-D9CF-40AE-B4C6-C98DA3205C09}" type="datetimeFigureOut">
               <a:rPr lang="en-US" smtClean="0"/>
               <a:pPr/>
-              <a:t>10/24/2018</a:t>
+              <a:t>11/2/2018</a:t>
             </a:fld>
             <a:endParaRPr lang="en-US"/>
           </a:p>
@@ -2294,7 +2300,7 @@
             <a:fld id="{1D8BD707-D9CF-40AE-B4C6-C98DA3205C09}" type="datetimeFigureOut">
               <a:rPr lang="en-US" smtClean="0"/>
               <a:pPr/>
-              <a:t>10/24/2018</a:t>
+              <a:t>11/2/2018</a:t>
             </a:fld>
             <a:endParaRPr lang="en-US"/>
           </a:p>
@@ -2742,7 +2748,7 @@
             <a:fld id="{1D8BD707-D9CF-40AE-B4C6-C98DA3205C09}" type="datetimeFigureOut">
               <a:rPr lang="en-US" smtClean="0"/>
               <a:pPr/>
-              <a:t>10/24/2018</a:t>
+              <a:t>11/2/2018</a:t>
             </a:fld>
             <a:endParaRPr lang="en-US"/>
           </a:p>
@@ -2845,7 +2851,7 @@
             <a:fld id="{1D8BD707-D9CF-40AE-B4C6-C98DA3205C09}" type="datetimeFigureOut">
               <a:rPr lang="en-US" smtClean="0"/>
               <a:pPr/>
-              <a:t>10/24/2018</a:t>
+              <a:t>11/2/2018</a:t>
             </a:fld>
             <a:endParaRPr lang="en-US"/>
           </a:p>
@@ -2968,7 +2974,7 @@
             <a:fld id="{1D8BD707-D9CF-40AE-B4C6-C98DA3205C09}" type="datetimeFigureOut">
               <a:rPr lang="en-US" smtClean="0"/>
               <a:pPr/>
-              <a:t>10/24/2018</a:t>
+              <a:t>11/2/2018</a:t>
             </a:fld>
             <a:endParaRPr lang="en-US"/>
           </a:p>
@@ -3244,7 +3250,7 @@
             <a:fld id="{1D8BD707-D9CF-40AE-B4C6-C98DA3205C09}" type="datetimeFigureOut">
               <a:rPr lang="en-US" smtClean="0"/>
               <a:pPr/>
-              <a:t>10/24/2018</a:t>
+              <a:t>11/2/2018</a:t>
             </a:fld>
             <a:endParaRPr lang="en-US"/>
           </a:p>
@@ -3451,7 +3457,7 @@
             <a:fld id="{1D8BD707-D9CF-40AE-B4C6-C98DA3205C09}" type="datetimeFigureOut">
               <a:rPr lang="en-US" smtClean="0"/>
               <a:pPr/>
-              <a:t>10/24/2018</a:t>
+              <a:t>11/2/2018</a:t>
             </a:fld>
             <a:endParaRPr lang="en-US"/>
           </a:p>
@@ -4562,7 +4568,7 @@
             <a:fld id="{1D8BD707-D9CF-40AE-B4C6-C98DA3205C09}" type="datetimeFigureOut">
               <a:rPr lang="en-US" smtClean="0"/>
               <a:pPr/>
-              <a:t>10/24/2018</a:t>
+              <a:t>11/2/2018</a:t>
             </a:fld>
             <a:endParaRPr lang="en-US"/>
           </a:p>
@@ -5051,11 +5057,7 @@
             </a:r>
             <a:r>
               <a:rPr lang="en-US" altLang="zh-CN" dirty="0" smtClean="0"/>
-              <a:t>, string password</a:t>
-            </a:r>
-            <a:r>
-              <a:rPr lang="en-US" altLang="zh-CN" dirty="0" smtClean="0"/>
-              <a:t>) </a:t>
+              <a:t>, string password) </a:t>
             </a:r>
             <a:r>
               <a:rPr lang="zh-CN" altLang="en-US" dirty="0" smtClean="0"/>
@@ -5214,11 +5216,7 @@
             </a:r>
             <a:r>
               <a:rPr lang="zh-CN" altLang="en-US" dirty="0" smtClean="0"/>
-              <a:t>点</a:t>
-            </a:r>
-            <a:r>
-              <a:rPr lang="zh-CN" altLang="en-US" dirty="0" smtClean="0"/>
-              <a:t>击选择期号，根据选择的品牌显示期号信息</a:t>
+              <a:t>点击选择期号，根据选择的品牌显示期号信息</a:t>
             </a:r>
             <a:endParaRPr lang="en-US" altLang="zh-CN" dirty="0" smtClean="0"/>
           </a:p>
@@ -5229,27 +5227,11 @@
             </a:r>
             <a:r>
               <a:rPr lang="zh-CN" altLang="en-US" dirty="0" smtClean="0"/>
-              <a:t>点击</a:t>
-            </a:r>
-            <a:r>
-              <a:rPr lang="zh-CN" altLang="en-US" dirty="0" smtClean="0"/>
-              <a:t>选</a:t>
-            </a:r>
-            <a:r>
-              <a:rPr lang="zh-CN" altLang="en-US" dirty="0" smtClean="0"/>
-              <a:t>择经销商调用</a:t>
-            </a:r>
-            <a:r>
-              <a:rPr lang="en-US" altLang="zh-CN" dirty="0" smtClean="0"/>
-              <a:t>Shop</a:t>
-            </a:r>
-            <a:r>
-              <a:rPr lang="en-US" altLang="zh-CN" dirty="0" smtClean="0"/>
-              <a:t>/</a:t>
-            </a:r>
-            <a:r>
-              <a:rPr lang="en-US" altLang="zh-CN" dirty="0" smtClean="0"/>
-              <a:t> </a:t>
+              <a:t>点击选择经销商调用</a:t>
+            </a:r>
+            <a:r>
+              <a:rPr lang="en-US" altLang="zh-CN" dirty="0" smtClean="0"/>
+              <a:t>Shop/ </a:t>
             </a:r>
             <a:r>
               <a:rPr lang="en-US" altLang="zh-CN" dirty="0" err="1" smtClean="0"/>
@@ -5344,19 +5326,7 @@
             </a:r>
             <a:r>
               <a:rPr lang="zh-CN" altLang="en-US" dirty="0" smtClean="0"/>
-              <a:t>执</a:t>
-            </a:r>
-            <a:r>
-              <a:rPr lang="zh-CN" altLang="en-US" dirty="0" smtClean="0"/>
-              <a:t>行基本信息登记改成进店信息，点击进店信息调整到进店信息页面，</a:t>
-            </a:r>
-            <a:r>
-              <a:rPr lang="zh-CN" altLang="en-US" dirty="0" smtClean="0"/>
-              <a:t>调</a:t>
-            </a:r>
-            <a:r>
-              <a:rPr lang="zh-CN" altLang="en-US" dirty="0" smtClean="0"/>
-              <a:t>用</a:t>
+              <a:t>执行基本信息登记改成进店信息，点击进店信息调整到进店信息页面，调用</a:t>
             </a:r>
             <a:r>
               <a:rPr lang="en-US" altLang="zh-CN" dirty="0" smtClean="0"/>
@@ -5392,11 +5362,7 @@
             </a:r>
             <a:r>
               <a:rPr lang="en-US" altLang="zh-CN" dirty="0" smtClean="0"/>
-              <a:t>Answer/</a:t>
-            </a:r>
-            <a:r>
-              <a:rPr lang="en-US" altLang="zh-CN" dirty="0" smtClean="0"/>
-              <a:t> </a:t>
+              <a:t>Answer/ </a:t>
             </a:r>
             <a:r>
               <a:rPr lang="en-US" altLang="zh-CN" dirty="0" err="1" smtClean="0"/>
@@ -5699,11 +5665,7 @@
             </a:r>
             <a:r>
               <a:rPr lang="en-US" altLang="zh-CN" dirty="0" err="1" smtClean="0"/>
-              <a:t>Answer</a:t>
-            </a:r>
-            <a:r>
-              <a:rPr lang="en-US" altLang="zh-CN" dirty="0" err="1" smtClean="0"/>
-              <a:t>GetShopPreAnswerSubjectInfo</a:t>
+              <a:t>AnswerGetShopPreAnswerSubjectInfo</a:t>
             </a:r>
             <a:endParaRPr lang="en-US" altLang="zh-CN" dirty="0" smtClean="0"/>
           </a:p>
@@ -6035,11 +5997,7 @@
             </a:r>
             <a:r>
               <a:rPr lang="en-US" altLang="zh-CN" dirty="0" smtClean="0"/>
-              <a:t>master/</a:t>
-            </a:r>
-            <a:r>
-              <a:rPr lang="en-US" altLang="zh-CN" dirty="0" smtClean="0"/>
-              <a:t> </a:t>
+              <a:t>master/ </a:t>
             </a:r>
             <a:r>
               <a:rPr lang="en-US" altLang="zh-CN" dirty="0" err="1" smtClean="0"/>
@@ -6051,11 +6009,7 @@
             </a:r>
             <a:r>
               <a:rPr lang="en-US" altLang="zh-CN" dirty="0" smtClean="0"/>
-              <a:t>Answer/</a:t>
-            </a:r>
-            <a:r>
-              <a:rPr lang="en-US" altLang="zh-CN" dirty="0" smtClean="0"/>
-              <a:t> </a:t>
+              <a:t>Answer/ </a:t>
             </a:r>
             <a:r>
               <a:rPr lang="en-US" altLang="zh-CN" dirty="0" err="1" smtClean="0"/>
@@ -6350,11 +6304,7 @@
             </a:r>
             <a:r>
               <a:rPr lang="en-US" altLang="zh-CN" dirty="0" err="1" smtClean="0"/>
-              <a:t>Answer</a:t>
-            </a:r>
-            <a:r>
-              <a:rPr lang="en-US" altLang="zh-CN" dirty="0" err="1" smtClean="0"/>
-              <a:t>GetShopPreAnswerSubjectInfo</a:t>
+              <a:t>AnswerGetShopPreAnswerSubjectInfo</a:t>
             </a:r>
             <a:endParaRPr lang="en-US" altLang="zh-CN" dirty="0" smtClean="0"/>
           </a:p>
@@ -6466,11 +6416,7 @@
           <a:p>
             <a:r>
               <a:rPr lang="zh-CN" altLang="en-US" dirty="0" smtClean="0"/>
-              <a:t>顾问</a:t>
-            </a:r>
-            <a:r>
-              <a:rPr lang="zh-CN" altLang="en-US" dirty="0" smtClean="0"/>
-              <a:t>得分</a:t>
+              <a:t>顾问得分</a:t>
             </a:r>
             <a:endParaRPr lang="zh-CN" altLang="en-US" dirty="0"/>
           </a:p>
@@ -6548,11 +6494,7 @@
           <a:p>
             <a:r>
               <a:rPr lang="zh-CN" altLang="en-US" dirty="0" smtClean="0"/>
-              <a:t>点</a:t>
-            </a:r>
-            <a:r>
-              <a:rPr lang="zh-CN" altLang="en-US" dirty="0" smtClean="0"/>
-              <a:t>击销售顾问 ，</a:t>
+              <a:t>点击销售顾问 ，</a:t>
             </a:r>
             <a:r>
               <a:rPr lang="en-US" altLang="zh-CN" dirty="0" smtClean="0"/>
@@ -6564,11 +6506,7 @@
             </a:r>
             <a:r>
               <a:rPr lang="zh-CN" altLang="en-US" dirty="0" smtClean="0"/>
-              <a:t>里面</a:t>
-            </a:r>
-            <a:r>
-              <a:rPr lang="zh-CN" altLang="en-US" dirty="0" smtClean="0"/>
-              <a:t>的销售顾问绑定信息</a:t>
+              <a:t>里面的销售顾问绑定信息</a:t>
             </a:r>
             <a:endParaRPr lang="en-US" altLang="zh-CN" dirty="0" smtClean="0"/>
           </a:p>
@@ -6600,6 +6538,196 @@
         </p:txBody>
       </p:sp>
     </p:spTree>
+  </p:cSld>
+  <p:clrMapOvr>
+    <a:masterClrMapping/>
+  </p:clrMapOvr>
+</p:sld>
+</file>
+
+<file path=ppt/slides/slide8.xml><?xml version="1.0" encoding="utf-8"?>
+<p:sld xmlns:a="http://schemas.openxmlformats.org/drawingml/2006/main" xmlns:r="http://schemas.openxmlformats.org/officeDocument/2006/relationships" xmlns:p="http://schemas.openxmlformats.org/presentationml/2006/main">
+  <p:cSld>
+    <p:spTree>
+      <p:nvGrpSpPr>
+        <p:cNvPr id="1" name=""/>
+        <p:cNvGrpSpPr/>
+        <p:nvPr/>
+      </p:nvGrpSpPr>
+      <p:grpSpPr>
+        <a:xfrm>
+          <a:off x="0" y="0"/>
+          <a:ext cx="0" cy="0"/>
+          <a:chOff x="0" y="0"/>
+          <a:chExt cx="0" cy="0"/>
+        </a:xfrm>
+      </p:grpSpPr>
+      <p:sp>
+        <p:nvSpPr>
+          <p:cNvPr id="4" name="TextBox 3"/>
+          <p:cNvSpPr txBox="1"/>
+          <p:nvPr/>
+        </p:nvSpPr>
+        <p:spPr>
+          <a:xfrm>
+            <a:off x="152400" y="521732"/>
+            <a:ext cx="8839200" cy="2031325"/>
+          </a:xfrm>
+          <a:prstGeom prst="rect">
+            <a:avLst/>
+          </a:prstGeom>
+          <a:noFill/>
+        </p:spPr>
+        <p:txBody>
+          <a:bodyPr wrap="square" rtlCol="0">
+            <a:spAutoFit/>
+          </a:bodyPr>
+          <a:lstStyle/>
+          <a:p>
+            <a:r>
+              <a:rPr lang="zh-CN" altLang="en-US" dirty="0" smtClean="0"/>
+              <a:t>点击得分查询进入到页面默认查询当前经销商的信息，调用的</a:t>
+            </a:r>
+            <a:r>
+              <a:rPr lang="en-US" altLang="zh-CN" dirty="0" smtClean="0"/>
+              <a:t>API</a:t>
+            </a:r>
+            <a:r>
+              <a:rPr lang="zh-CN" altLang="en-US" dirty="0" smtClean="0"/>
+              <a:t>为</a:t>
+            </a:r>
+            <a:r>
+              <a:rPr lang="en-US" altLang="zh-CN" dirty="0" err="1" smtClean="0"/>
+              <a:t>GetShopAnswerScoreInfo</a:t>
+            </a:r>
+            <a:r>
+              <a:rPr lang="en-US" altLang="zh-CN" dirty="0" smtClean="0"/>
+              <a:t>(</a:t>
+            </a:r>
+            <a:r>
+              <a:rPr lang="en-US" altLang="zh-CN" dirty="0" err="1" smtClean="0"/>
+              <a:t>projectid,shopid,subjectid</a:t>
+            </a:r>
+            <a:r>
+              <a:rPr lang="en-US" altLang="zh-CN" dirty="0" smtClean="0"/>
+              <a:t>) </a:t>
+            </a:r>
+            <a:r>
+              <a:rPr lang="en-US" altLang="zh-CN" dirty="0" err="1" smtClean="0"/>
+              <a:t>subjectid</a:t>
+            </a:r>
+            <a:r>
+              <a:rPr lang="en-US" altLang="zh-CN" dirty="0" smtClean="0"/>
+              <a:t>=“”</a:t>
+            </a:r>
+          </a:p>
+          <a:p>
+            <a:r>
+              <a:rPr lang="zh-CN" altLang="en-US" dirty="0" smtClean="0"/>
+              <a:t>显示的内容为</a:t>
+            </a:r>
+            <a:r>
+              <a:rPr lang="en-US" altLang="zh-CN" dirty="0" smtClean="0"/>
+              <a:t>subjectCode,Checkpoint,Implement,Score,PhotoScore,ConsultantScore.</a:t>
+            </a:r>
+          </a:p>
+          <a:p>
+            <a:r>
+              <a:rPr lang="zh-CN" altLang="en-US" dirty="0" smtClean="0"/>
+              <a:t>点击其中一行，跳转到详细页面。详细页面显示检查标准，标准照片</a:t>
+            </a:r>
+            <a:r>
+              <a:rPr lang="en-US" altLang="zh-CN" dirty="0" smtClean="0"/>
+              <a:t>(</a:t>
+            </a:r>
+            <a:r>
+              <a:rPr lang="zh-CN" altLang="en-US" dirty="0" smtClean="0"/>
+              <a:t>点击可以查看照片</a:t>
+            </a:r>
+            <a:r>
+              <a:rPr lang="en-US" altLang="zh-CN" dirty="0" smtClean="0"/>
+              <a:t>)</a:t>
+            </a:r>
+            <a:r>
+              <a:rPr lang="zh-CN" altLang="en-US" dirty="0" smtClean="0"/>
+              <a:t>，失分描述</a:t>
+            </a:r>
+            <a:r>
+              <a:rPr lang="en-US" altLang="zh-CN" dirty="0" smtClean="0"/>
+              <a:t>(</a:t>
+            </a:r>
+            <a:r>
+              <a:rPr lang="zh-CN" altLang="en-US" dirty="0" smtClean="0"/>
+              <a:t>点击可以查看照片</a:t>
+            </a:r>
+            <a:r>
+              <a:rPr lang="en-US" altLang="zh-CN" smtClean="0"/>
+              <a:t>)</a:t>
+            </a:r>
+            <a:r>
+              <a:rPr lang="zh-CN" altLang="en-US" smtClean="0"/>
+              <a:t>，</a:t>
+            </a:r>
+            <a:r>
+              <a:rPr lang="zh-CN" altLang="en-US" dirty="0" smtClean="0"/>
+              <a:t>销售顾问</a:t>
+            </a:r>
+            <a:r>
+              <a:rPr lang="en-US" altLang="zh-CN" dirty="0" smtClean="0"/>
+              <a:t>(</a:t>
+            </a:r>
+            <a:r>
+              <a:rPr lang="zh-CN" altLang="en-US" dirty="0" smtClean="0"/>
+              <a:t>显示销售顾问名称，销售顾问类型，得分，失分描述</a:t>
+            </a:r>
+            <a:r>
+              <a:rPr lang="en-US" altLang="zh-CN" dirty="0" smtClean="0"/>
+              <a:t>)</a:t>
+            </a:r>
+            <a:endParaRPr lang="zh-CN" altLang="en-US" dirty="0"/>
+          </a:p>
+        </p:txBody>
+      </p:sp>
+      <p:sp>
+        <p:nvSpPr>
+          <p:cNvPr id="3" name="TextBox 2"/>
+          <p:cNvSpPr txBox="1"/>
+          <p:nvPr/>
+        </p:nvSpPr>
+        <p:spPr>
+          <a:xfrm>
+            <a:off x="152400" y="152400"/>
+            <a:ext cx="3200400" cy="369332"/>
+          </a:xfrm>
+          <a:prstGeom prst="rect">
+            <a:avLst/>
+          </a:prstGeom>
+          <a:noFill/>
+        </p:spPr>
+        <p:txBody>
+          <a:bodyPr wrap="square" rtlCol="0">
+            <a:spAutoFit/>
+          </a:bodyPr>
+          <a:lstStyle/>
+          <a:p>
+            <a:r>
+              <a:rPr lang="zh-CN" altLang="en-US" dirty="0"/>
+              <a:t>得分</a:t>
+            </a:r>
+            <a:r>
+              <a:rPr lang="zh-CN" altLang="en-US" dirty="0" smtClean="0"/>
+              <a:t>得分</a:t>
+            </a:r>
+            <a:endParaRPr lang="zh-CN" altLang="en-US" dirty="0"/>
+          </a:p>
+        </p:txBody>
+      </p:sp>
+    </p:spTree>
+    <p:extLst>
+      <p:ext uri="{BB962C8B-B14F-4D97-AF65-F5344CB8AC3E}">
+        <p14:creationId xmlns:p14="http://schemas.microsoft.com/office/powerpoint/2010/main" val="2775011603"/>
+      </p:ext>
+    </p:extLst>
   </p:cSld>
   <p:clrMapOvr>
     <a:masterClrMapping/>
